--- a/intro_copilot_excel.pptx
+++ b/intro_copilot_excel.pptx
@@ -5,15 +5,15 @@
     <p:sldMasterId id="2147483648" r:id="rId1"/>
   </p:sldMasterIdLst>
   <p:sldIdLst>
-    <p:sldId id="256" r:id="rId7"/>
-    <p:sldId id="257" r:id="rId8"/>
-    <p:sldId id="258" r:id="rId9"/>
-    <p:sldId id="259" r:id="rId10"/>
-    <p:sldId id="260" r:id="rId11"/>
-    <p:sldId id="261" r:id="rId12"/>
-    <p:sldId id="262" r:id="rId13"/>
-    <p:sldId id="263" r:id="rId14"/>
-    <p:sldId id="264" r:id="rId15"/>
+    <p:sldId id="256" r:id="rId2"/>
+    <p:sldId id="257" r:id="rId3"/>
+    <p:sldId id="258" r:id="rId4"/>
+    <p:sldId id="259" r:id="rId5"/>
+    <p:sldId id="260" r:id="rId6"/>
+    <p:sldId id="261" r:id="rId7"/>
+    <p:sldId id="262" r:id="rId8"/>
+    <p:sldId id="263" r:id="rId9"/>
+    <p:sldId id="264" r:id="rId10"/>
   </p:sldIdLst>
   <p:sldSz cx="9144000" cy="6858000" type="screen4x3"/>
   <p:notesSz cx="6858000" cy="9144000"/>
@@ -112,6 +112,22 @@
       </a:defRPr>
     </a:lvl9pPr>
   </p:defaultTextStyle>
+  <p:extLst>
+    <p:ext uri="{EFAFB233-063F-42B5-8137-9DF3F51BA10A}">
+      <p15:sldGuideLst xmlns:p15="http://schemas.microsoft.com/office/powerpoint/2012/main">
+        <p15:guide id="1" orient="horz" pos="2160">
+          <p15:clr>
+            <a:srgbClr val="A4A3A4"/>
+          </p15:clr>
+        </p15:guide>
+        <p15:guide id="2" pos="2880">
+          <p15:clr>
+            <a:srgbClr val="A4A3A4"/>
+          </p15:clr>
+        </p15:guide>
+      </p15:sldGuideLst>
+    </p:ext>
+  </p:extLst>
 </p:presentation>
 </file>
 
@@ -153,10 +169,9 @@
           <a:lstStyle/>
           <a:p>
             <a:r>
-              <a:rPr lang="en-US" smtClean="0"/>
+              <a:rPr lang="en-US"/>
               <a:t>Click to edit Master title style</a:t>
             </a:r>
-            <a:endParaRPr lang="en-US"/>
           </a:p>
         </p:txBody>
       </p:sp>
@@ -272,10 +287,9 @@
           </a:lstStyle>
           <a:p>
             <a:r>
-              <a:rPr lang="en-US" smtClean="0"/>
+              <a:rPr lang="en-US"/>
               <a:t>Click to edit Master subtitle style</a:t>
             </a:r>
-            <a:endParaRPr lang="en-US"/>
           </a:p>
         </p:txBody>
       </p:sp>
@@ -296,7 +310,7 @@
           <a:p>
             <a:fld id="{5BCAD085-E8A6-8845-BD4E-CB4CCA059FC4}" type="datetimeFigureOut">
               <a:rPr lang="en-US" smtClean="0"/>
-              <a:t>1/27/13</a:t>
+              <a:t>9/25/2025</a:t>
             </a:fld>
             <a:endParaRPr lang="en-US"/>
           </a:p>
@@ -390,10 +404,9 @@
           <a:lstStyle/>
           <a:p>
             <a:r>
-              <a:rPr lang="en-US" smtClean="0"/>
+              <a:rPr lang="en-US"/>
               <a:t>Click to edit Master title style</a:t>
             </a:r>
-            <a:endParaRPr lang="en-US"/>
           </a:p>
         </p:txBody>
       </p:sp>
@@ -414,38 +427,37 @@
           <a:p>
             <a:pPr lvl="0"/>
             <a:r>
-              <a:rPr lang="en-US" smtClean="0"/>
+              <a:rPr lang="en-US"/>
               <a:t>Click to edit Master text styles</a:t>
             </a:r>
           </a:p>
           <a:p>
             <a:pPr lvl="1"/>
             <a:r>
-              <a:rPr lang="en-US" smtClean="0"/>
+              <a:rPr lang="en-US"/>
               <a:t>Second level</a:t>
             </a:r>
           </a:p>
           <a:p>
             <a:pPr lvl="2"/>
             <a:r>
-              <a:rPr lang="en-US" smtClean="0"/>
+              <a:rPr lang="en-US"/>
               <a:t>Third level</a:t>
             </a:r>
           </a:p>
           <a:p>
             <a:pPr lvl="3"/>
             <a:r>
-              <a:rPr lang="en-US" smtClean="0"/>
+              <a:rPr lang="en-US"/>
               <a:t>Fourth level</a:t>
             </a:r>
           </a:p>
           <a:p>
             <a:pPr lvl="4"/>
             <a:r>
-              <a:rPr lang="en-US" smtClean="0"/>
+              <a:rPr lang="en-US"/>
               <a:t>Fifth level</a:t>
             </a:r>
-            <a:endParaRPr lang="en-US"/>
           </a:p>
         </p:txBody>
       </p:sp>
@@ -466,7 +478,7 @@
           <a:p>
             <a:fld id="{5BCAD085-E8A6-8845-BD4E-CB4CCA059FC4}" type="datetimeFigureOut">
               <a:rPr lang="en-US" smtClean="0"/>
-              <a:t>1/27/13</a:t>
+              <a:t>9/25/2025</a:t>
             </a:fld>
             <a:endParaRPr lang="en-US"/>
           </a:p>
@@ -565,10 +577,9 @@
           <a:lstStyle/>
           <a:p>
             <a:r>
-              <a:rPr lang="en-US" smtClean="0"/>
+              <a:rPr lang="en-US"/>
               <a:t>Click to edit Master title style</a:t>
             </a:r>
-            <a:endParaRPr lang="en-US"/>
           </a:p>
         </p:txBody>
       </p:sp>
@@ -594,38 +605,37 @@
           <a:p>
             <a:pPr lvl="0"/>
             <a:r>
-              <a:rPr lang="en-US" smtClean="0"/>
+              <a:rPr lang="en-US"/>
               <a:t>Click to edit Master text styles</a:t>
             </a:r>
           </a:p>
           <a:p>
             <a:pPr lvl="1"/>
             <a:r>
-              <a:rPr lang="en-US" smtClean="0"/>
+              <a:rPr lang="en-US"/>
               <a:t>Second level</a:t>
             </a:r>
           </a:p>
           <a:p>
             <a:pPr lvl="2"/>
             <a:r>
-              <a:rPr lang="en-US" smtClean="0"/>
+              <a:rPr lang="en-US"/>
               <a:t>Third level</a:t>
             </a:r>
           </a:p>
           <a:p>
             <a:pPr lvl="3"/>
             <a:r>
-              <a:rPr lang="en-US" smtClean="0"/>
+              <a:rPr lang="en-US"/>
               <a:t>Fourth level</a:t>
             </a:r>
           </a:p>
           <a:p>
             <a:pPr lvl="4"/>
             <a:r>
-              <a:rPr lang="en-US" smtClean="0"/>
+              <a:rPr lang="en-US"/>
               <a:t>Fifth level</a:t>
             </a:r>
-            <a:endParaRPr lang="en-US"/>
           </a:p>
         </p:txBody>
       </p:sp>
@@ -646,7 +656,7 @@
           <a:p>
             <a:fld id="{5BCAD085-E8A6-8845-BD4E-CB4CCA059FC4}" type="datetimeFigureOut">
               <a:rPr lang="en-US" smtClean="0"/>
-              <a:t>1/27/13</a:t>
+              <a:t>9/25/2025</a:t>
             </a:fld>
             <a:endParaRPr lang="en-US"/>
           </a:p>
@@ -740,10 +750,9 @@
           <a:lstStyle/>
           <a:p>
             <a:r>
-              <a:rPr lang="en-US" smtClean="0"/>
+              <a:rPr lang="en-US"/>
               <a:t>Click to edit Master title style</a:t>
             </a:r>
-            <a:endParaRPr lang="en-US"/>
           </a:p>
         </p:txBody>
       </p:sp>
@@ -764,38 +773,37 @@
           <a:p>
             <a:pPr lvl="0"/>
             <a:r>
-              <a:rPr lang="en-US" smtClean="0"/>
+              <a:rPr lang="en-US"/>
               <a:t>Click to edit Master text styles</a:t>
             </a:r>
           </a:p>
           <a:p>
             <a:pPr lvl="1"/>
             <a:r>
-              <a:rPr lang="en-US" smtClean="0"/>
+              <a:rPr lang="en-US"/>
               <a:t>Second level</a:t>
             </a:r>
           </a:p>
           <a:p>
             <a:pPr lvl="2"/>
             <a:r>
-              <a:rPr lang="en-US" smtClean="0"/>
+              <a:rPr lang="en-US"/>
               <a:t>Third level</a:t>
             </a:r>
           </a:p>
           <a:p>
             <a:pPr lvl="3"/>
             <a:r>
-              <a:rPr lang="en-US" smtClean="0"/>
+              <a:rPr lang="en-US"/>
               <a:t>Fourth level</a:t>
             </a:r>
           </a:p>
           <a:p>
             <a:pPr lvl="4"/>
             <a:r>
-              <a:rPr lang="en-US" smtClean="0"/>
+              <a:rPr lang="en-US"/>
               <a:t>Fifth level</a:t>
             </a:r>
-            <a:endParaRPr lang="en-US"/>
           </a:p>
         </p:txBody>
       </p:sp>
@@ -816,7 +824,7 @@
           <a:p>
             <a:fld id="{5BCAD085-E8A6-8845-BD4E-CB4CCA059FC4}" type="datetimeFigureOut">
               <a:rPr lang="en-US" smtClean="0"/>
-              <a:t>1/27/13</a:t>
+              <a:t>9/25/2025</a:t>
             </a:fld>
             <a:endParaRPr lang="en-US"/>
           </a:p>
@@ -919,10 +927,9 @@
           </a:lstStyle>
           <a:p>
             <a:r>
-              <a:rPr lang="en-US" smtClean="0"/>
+              <a:rPr lang="en-US"/>
               <a:t>Click to edit Master title style</a:t>
             </a:r>
-            <a:endParaRPr lang="en-US"/>
           </a:p>
         </p:txBody>
       </p:sp>
@@ -1039,7 +1046,7 @@
           <a:p>
             <a:pPr lvl="0"/>
             <a:r>
-              <a:rPr lang="en-US" smtClean="0"/>
+              <a:rPr lang="en-US"/>
               <a:t>Click to edit Master text styles</a:t>
             </a:r>
           </a:p>
@@ -1062,7 +1069,7 @@
           <a:p>
             <a:fld id="{5BCAD085-E8A6-8845-BD4E-CB4CCA059FC4}" type="datetimeFigureOut">
               <a:rPr lang="en-US" smtClean="0"/>
-              <a:t>1/27/13</a:t>
+              <a:t>9/25/2025</a:t>
             </a:fld>
             <a:endParaRPr lang="en-US"/>
           </a:p>
@@ -1156,10 +1163,9 @@
           <a:lstStyle/>
           <a:p>
             <a:r>
-              <a:rPr lang="en-US" smtClean="0"/>
+              <a:rPr lang="en-US"/>
               <a:t>Click to edit Master title style</a:t>
             </a:r>
-            <a:endParaRPr lang="en-US"/>
           </a:p>
         </p:txBody>
       </p:sp>
@@ -1213,38 +1219,37 @@
           <a:p>
             <a:pPr lvl="0"/>
             <a:r>
-              <a:rPr lang="en-US" smtClean="0"/>
+              <a:rPr lang="en-US"/>
               <a:t>Click to edit Master text styles</a:t>
             </a:r>
           </a:p>
           <a:p>
             <a:pPr lvl="1"/>
             <a:r>
-              <a:rPr lang="en-US" smtClean="0"/>
+              <a:rPr lang="en-US"/>
               <a:t>Second level</a:t>
             </a:r>
           </a:p>
           <a:p>
             <a:pPr lvl="2"/>
             <a:r>
-              <a:rPr lang="en-US" smtClean="0"/>
+              <a:rPr lang="en-US"/>
               <a:t>Third level</a:t>
             </a:r>
           </a:p>
           <a:p>
             <a:pPr lvl="3"/>
             <a:r>
-              <a:rPr lang="en-US" smtClean="0"/>
+              <a:rPr lang="en-US"/>
               <a:t>Fourth level</a:t>
             </a:r>
           </a:p>
           <a:p>
             <a:pPr lvl="4"/>
             <a:r>
-              <a:rPr lang="en-US" smtClean="0"/>
+              <a:rPr lang="en-US"/>
               <a:t>Fifth level</a:t>
             </a:r>
-            <a:endParaRPr lang="en-US"/>
           </a:p>
         </p:txBody>
       </p:sp>
@@ -1298,38 +1303,37 @@
           <a:p>
             <a:pPr lvl="0"/>
             <a:r>
-              <a:rPr lang="en-US" smtClean="0"/>
+              <a:rPr lang="en-US"/>
               <a:t>Click to edit Master text styles</a:t>
             </a:r>
           </a:p>
           <a:p>
             <a:pPr lvl="1"/>
             <a:r>
-              <a:rPr lang="en-US" smtClean="0"/>
+              <a:rPr lang="en-US"/>
               <a:t>Second level</a:t>
             </a:r>
           </a:p>
           <a:p>
             <a:pPr lvl="2"/>
             <a:r>
-              <a:rPr lang="en-US" smtClean="0"/>
+              <a:rPr lang="en-US"/>
               <a:t>Third level</a:t>
             </a:r>
           </a:p>
           <a:p>
             <a:pPr lvl="3"/>
             <a:r>
-              <a:rPr lang="en-US" smtClean="0"/>
+              <a:rPr lang="en-US"/>
               <a:t>Fourth level</a:t>
             </a:r>
           </a:p>
           <a:p>
             <a:pPr lvl="4"/>
             <a:r>
-              <a:rPr lang="en-US" smtClean="0"/>
+              <a:rPr lang="en-US"/>
               <a:t>Fifth level</a:t>
             </a:r>
-            <a:endParaRPr lang="en-US"/>
           </a:p>
         </p:txBody>
       </p:sp>
@@ -1350,7 +1354,7 @@
           <a:p>
             <a:fld id="{5BCAD085-E8A6-8845-BD4E-CB4CCA059FC4}" type="datetimeFigureOut">
               <a:rPr lang="en-US" smtClean="0"/>
-              <a:t>1/27/13</a:t>
+              <a:t>9/25/2025</a:t>
             </a:fld>
             <a:endParaRPr lang="en-US"/>
           </a:p>
@@ -1448,10 +1452,9 @@
           </a:lstStyle>
           <a:p>
             <a:r>
-              <a:rPr lang="en-US" smtClean="0"/>
+              <a:rPr lang="en-US"/>
               <a:t>Click to edit Master title style</a:t>
             </a:r>
-            <a:endParaRPr lang="en-US"/>
           </a:p>
         </p:txBody>
       </p:sp>
@@ -1514,7 +1517,7 @@
           <a:p>
             <a:pPr lvl="0"/>
             <a:r>
-              <a:rPr lang="en-US" smtClean="0"/>
+              <a:rPr lang="en-US"/>
               <a:t>Click to edit Master text styles</a:t>
             </a:r>
           </a:p>
@@ -1570,38 +1573,37 @@
           <a:p>
             <a:pPr lvl="0"/>
             <a:r>
-              <a:rPr lang="en-US" smtClean="0"/>
+              <a:rPr lang="en-US"/>
               <a:t>Click to edit Master text styles</a:t>
             </a:r>
           </a:p>
           <a:p>
             <a:pPr lvl="1"/>
             <a:r>
-              <a:rPr lang="en-US" smtClean="0"/>
+              <a:rPr lang="en-US"/>
               <a:t>Second level</a:t>
             </a:r>
           </a:p>
           <a:p>
             <a:pPr lvl="2"/>
             <a:r>
-              <a:rPr lang="en-US" smtClean="0"/>
+              <a:rPr lang="en-US"/>
               <a:t>Third level</a:t>
             </a:r>
           </a:p>
           <a:p>
             <a:pPr lvl="3"/>
             <a:r>
-              <a:rPr lang="en-US" smtClean="0"/>
+              <a:rPr lang="en-US"/>
               <a:t>Fourth level</a:t>
             </a:r>
           </a:p>
           <a:p>
             <a:pPr lvl="4"/>
             <a:r>
-              <a:rPr lang="en-US" smtClean="0"/>
+              <a:rPr lang="en-US"/>
               <a:t>Fifth level</a:t>
             </a:r>
-            <a:endParaRPr lang="en-US"/>
           </a:p>
         </p:txBody>
       </p:sp>
@@ -1664,7 +1666,7 @@
           <a:p>
             <a:pPr lvl="0"/>
             <a:r>
-              <a:rPr lang="en-US" smtClean="0"/>
+              <a:rPr lang="en-US"/>
               <a:t>Click to edit Master text styles</a:t>
             </a:r>
           </a:p>
@@ -1720,38 +1722,37 @@
           <a:p>
             <a:pPr lvl="0"/>
             <a:r>
-              <a:rPr lang="en-US" smtClean="0"/>
+              <a:rPr lang="en-US"/>
               <a:t>Click to edit Master text styles</a:t>
             </a:r>
           </a:p>
           <a:p>
             <a:pPr lvl="1"/>
             <a:r>
-              <a:rPr lang="en-US" smtClean="0"/>
+              <a:rPr lang="en-US"/>
               <a:t>Second level</a:t>
             </a:r>
           </a:p>
           <a:p>
             <a:pPr lvl="2"/>
             <a:r>
-              <a:rPr lang="en-US" smtClean="0"/>
+              <a:rPr lang="en-US"/>
               <a:t>Third level</a:t>
             </a:r>
           </a:p>
           <a:p>
             <a:pPr lvl="3"/>
             <a:r>
-              <a:rPr lang="en-US" smtClean="0"/>
+              <a:rPr lang="en-US"/>
               <a:t>Fourth level</a:t>
             </a:r>
           </a:p>
           <a:p>
             <a:pPr lvl="4"/>
             <a:r>
-              <a:rPr lang="en-US" smtClean="0"/>
+              <a:rPr lang="en-US"/>
               <a:t>Fifth level</a:t>
             </a:r>
-            <a:endParaRPr lang="en-US"/>
           </a:p>
         </p:txBody>
       </p:sp>
@@ -1772,7 +1773,7 @@
           <a:p>
             <a:fld id="{5BCAD085-E8A6-8845-BD4E-CB4CCA059FC4}" type="datetimeFigureOut">
               <a:rPr lang="en-US" smtClean="0"/>
-              <a:t>1/27/13</a:t>
+              <a:t>9/25/2025</a:t>
             </a:fld>
             <a:endParaRPr lang="en-US"/>
           </a:p>
@@ -1866,10 +1867,9 @@
           <a:lstStyle/>
           <a:p>
             <a:r>
-              <a:rPr lang="en-US" smtClean="0"/>
+              <a:rPr lang="en-US"/>
               <a:t>Click to edit Master title style</a:t>
             </a:r>
-            <a:endParaRPr lang="en-US"/>
           </a:p>
         </p:txBody>
       </p:sp>
@@ -1890,7 +1890,7 @@
           <a:p>
             <a:fld id="{5BCAD085-E8A6-8845-BD4E-CB4CCA059FC4}" type="datetimeFigureOut">
               <a:rPr lang="en-US" smtClean="0"/>
-              <a:t>1/27/13</a:t>
+              <a:t>9/25/2025</a:t>
             </a:fld>
             <a:endParaRPr lang="en-US"/>
           </a:p>
@@ -1985,7 +1985,7 @@
           <a:p>
             <a:fld id="{5BCAD085-E8A6-8845-BD4E-CB4CCA059FC4}" type="datetimeFigureOut">
               <a:rPr lang="en-US" smtClean="0"/>
-              <a:t>1/27/13</a:t>
+              <a:t>9/25/2025</a:t>
             </a:fld>
             <a:endParaRPr lang="en-US"/>
           </a:p>
@@ -2088,10 +2088,9 @@
           </a:lstStyle>
           <a:p>
             <a:r>
-              <a:rPr lang="en-US" smtClean="0"/>
+              <a:rPr lang="en-US"/>
               <a:t>Click to edit Master title style</a:t>
             </a:r>
-            <a:endParaRPr lang="en-US"/>
           </a:p>
         </p:txBody>
       </p:sp>
@@ -2145,38 +2144,37 @@
           <a:p>
             <a:pPr lvl="0"/>
             <a:r>
-              <a:rPr lang="en-US" smtClean="0"/>
+              <a:rPr lang="en-US"/>
               <a:t>Click to edit Master text styles</a:t>
             </a:r>
           </a:p>
           <a:p>
             <a:pPr lvl="1"/>
             <a:r>
-              <a:rPr lang="en-US" smtClean="0"/>
+              <a:rPr lang="en-US"/>
               <a:t>Second level</a:t>
             </a:r>
           </a:p>
           <a:p>
             <a:pPr lvl="2"/>
             <a:r>
-              <a:rPr lang="en-US" smtClean="0"/>
+              <a:rPr lang="en-US"/>
               <a:t>Third level</a:t>
             </a:r>
           </a:p>
           <a:p>
             <a:pPr lvl="3"/>
             <a:r>
-              <a:rPr lang="en-US" smtClean="0"/>
+              <a:rPr lang="en-US"/>
               <a:t>Fourth level</a:t>
             </a:r>
           </a:p>
           <a:p>
             <a:pPr lvl="4"/>
             <a:r>
-              <a:rPr lang="en-US" smtClean="0"/>
+              <a:rPr lang="en-US"/>
               <a:t>Fifth level</a:t>
             </a:r>
-            <a:endParaRPr lang="en-US"/>
           </a:p>
         </p:txBody>
       </p:sp>
@@ -2239,7 +2237,7 @@
           <a:p>
             <a:pPr lvl="0"/>
             <a:r>
-              <a:rPr lang="en-US" smtClean="0"/>
+              <a:rPr lang="en-US"/>
               <a:t>Click to edit Master text styles</a:t>
             </a:r>
           </a:p>
@@ -2262,7 +2260,7 @@
           <a:p>
             <a:fld id="{5BCAD085-E8A6-8845-BD4E-CB4CCA059FC4}" type="datetimeFigureOut">
               <a:rPr lang="en-US" smtClean="0"/>
-              <a:t>1/27/13</a:t>
+              <a:t>9/25/2025</a:t>
             </a:fld>
             <a:endParaRPr lang="en-US"/>
           </a:p>
@@ -2365,10 +2363,9 @@
           </a:lstStyle>
           <a:p>
             <a:r>
-              <a:rPr lang="en-US" smtClean="0"/>
+              <a:rPr lang="en-US"/>
               <a:t>Click to edit Master title style</a:t>
             </a:r>
-            <a:endParaRPr lang="en-US"/>
           </a:p>
         </p:txBody>
       </p:sp>
@@ -2492,7 +2489,7 @@
           <a:p>
             <a:pPr lvl="0"/>
             <a:r>
-              <a:rPr lang="en-US" smtClean="0"/>
+              <a:rPr lang="en-US"/>
               <a:t>Click to edit Master text styles</a:t>
             </a:r>
           </a:p>
@@ -2515,7 +2512,7 @@
           <a:p>
             <a:fld id="{5BCAD085-E8A6-8845-BD4E-CB4CCA059FC4}" type="datetimeFigureOut">
               <a:rPr lang="en-US" smtClean="0"/>
-              <a:t>1/27/13</a:t>
+              <a:t>9/25/2025</a:t>
             </a:fld>
             <a:endParaRPr lang="en-US"/>
           </a:p>
@@ -2624,10 +2621,9 @@
           <a:lstStyle/>
           <a:p>
             <a:r>
-              <a:rPr lang="en-US" smtClean="0"/>
+              <a:rPr lang="en-US"/>
               <a:t>Click to edit Master title style</a:t>
             </a:r>
-            <a:endParaRPr lang="en-US"/>
           </a:p>
         </p:txBody>
       </p:sp>
@@ -2658,38 +2654,37 @@
           <a:p>
             <a:pPr lvl="0"/>
             <a:r>
-              <a:rPr lang="en-US" smtClean="0"/>
+              <a:rPr lang="en-US"/>
               <a:t>Click to edit Master text styles</a:t>
             </a:r>
           </a:p>
           <a:p>
             <a:pPr lvl="1"/>
             <a:r>
-              <a:rPr lang="en-US" smtClean="0"/>
+              <a:rPr lang="en-US"/>
               <a:t>Second level</a:t>
             </a:r>
           </a:p>
           <a:p>
             <a:pPr lvl="2"/>
             <a:r>
-              <a:rPr lang="en-US" smtClean="0"/>
+              <a:rPr lang="en-US"/>
               <a:t>Third level</a:t>
             </a:r>
           </a:p>
           <a:p>
             <a:pPr lvl="3"/>
             <a:r>
-              <a:rPr lang="en-US" smtClean="0"/>
+              <a:rPr lang="en-US"/>
               <a:t>Fourth level</a:t>
             </a:r>
           </a:p>
           <a:p>
             <a:pPr lvl="4"/>
             <a:r>
-              <a:rPr lang="en-US" smtClean="0"/>
+              <a:rPr lang="en-US"/>
               <a:t>Fifth level</a:t>
             </a:r>
-            <a:endParaRPr lang="en-US"/>
           </a:p>
         </p:txBody>
       </p:sp>
@@ -2728,7 +2723,7 @@
           <a:p>
             <a:fld id="{5BCAD085-E8A6-8845-BD4E-CB4CCA059FC4}" type="datetimeFigureOut">
               <a:rPr lang="en-US" smtClean="0"/>
-              <a:t>1/27/13</a:t>
+              <a:t>9/25/2025</a:t>
             </a:fld>
             <a:endParaRPr lang="en-US"/>
           </a:p>
@@ -3087,7 +3082,7 @@
 </file>
 
 <file path=ppt/slides/slide1.xml><?xml version="1.0" encoding="utf-8"?>
-<p:sld xmlns:a="http://schemas.openxmlformats.org/drawingml/2006/main" xmlns:p="http://schemas.openxmlformats.org/presentationml/2006/main" xmlns:r="http://schemas.openxmlformats.org/officeDocument/2006/relationships">
+<p:sld xmlns:a="http://schemas.openxmlformats.org/drawingml/2006/main" xmlns:r="http://schemas.openxmlformats.org/officeDocument/2006/relationships" xmlns:p="http://schemas.openxmlformats.org/presentationml/2006/main">
   <p:cSld>
     <p:spTree>
       <p:nvGrpSpPr>
@@ -3095,7 +3090,14 @@
         <p:cNvGrpSpPr/>
         <p:nvPr/>
       </p:nvGrpSpPr>
-      <p:grpSpPr/>
+      <p:grpSpPr>
+        <a:xfrm>
+          <a:off x="0" y="0"/>
+          <a:ext cx="0" cy="0"/>
+          <a:chOff x="0" y="0"/>
+          <a:chExt cx="0" cy="0"/>
+        </a:xfrm>
+      </p:grpSpPr>
       <p:sp>
         <p:nvSpPr>
           <p:cNvPr id="2" name="Title 1"/>
@@ -3129,17 +3131,44 @@
         </p:nvSpPr>
         <p:spPr/>
         <p:txBody>
-          <a:bodyPr/>
-          <a:lstStyle/>
-          <a:p>
-            <a:r>
-              <a:t>George Mount – Stringfest Analytics</a:t>
-            </a:r>
-          </a:p>
-          <a:p>
-            <a:r>
-              <a:t>Resources: https://github.com/stringfestdata/ai-week-intro-copilot-excel/archive/refs/heads/main.zip</a:t>
-            </a:r>
+          <a:bodyPr>
+            <a:normAutofit fontScale="77500" lnSpcReduction="20000"/>
+          </a:bodyPr>
+          <a:lstStyle/>
+          <a:p>
+            <a:r>
+              <a:rPr dirty="0"/>
+              <a:t>George Mount</a:t>
+            </a:r>
+            <a:r>
+              <a:rPr lang="en-US" dirty="0"/>
+              <a:t>, </a:t>
+            </a:r>
+            <a:r>
+              <a:rPr dirty="0" err="1"/>
+              <a:t>Stringfest</a:t>
+            </a:r>
+            <a:r>
+              <a:rPr dirty="0"/>
+              <a:t> Analytics</a:t>
+            </a:r>
+          </a:p>
+          <a:p>
+            <a:r>
+              <a:rPr dirty="0"/>
+              <a:t>Resources: </a:t>
+            </a:r>
+            <a:r>
+              <a:rPr dirty="0">
+                <a:hlinkClick r:id="rId2"/>
+              </a:rPr>
+              <a:t>https://github.com/stringfestdata/ai-week-intro-copilot-excel/archive/refs/heads/main.zip</a:t>
+            </a:r>
+            <a:r>
+              <a:rPr lang="en-US" dirty="0"/>
+              <a:t> </a:t>
+            </a:r>
+            <a:endParaRPr dirty="0"/>
           </a:p>
         </p:txBody>
       </p:sp>
@@ -3152,7 +3181,7 @@
 </file>
 
 <file path=ppt/slides/slide2.xml><?xml version="1.0" encoding="utf-8"?>
-<p:sld xmlns:a="http://schemas.openxmlformats.org/drawingml/2006/main" xmlns:p="http://schemas.openxmlformats.org/presentationml/2006/main" xmlns:r="http://schemas.openxmlformats.org/officeDocument/2006/relationships">
+<p:sld xmlns:a="http://schemas.openxmlformats.org/drawingml/2006/main" xmlns:r="http://schemas.openxmlformats.org/officeDocument/2006/relationships" xmlns:p="http://schemas.openxmlformats.org/presentationml/2006/main">
   <p:cSld>
     <p:spTree>
       <p:nvGrpSpPr>
@@ -3160,7 +3189,14 @@
         <p:cNvGrpSpPr/>
         <p:nvPr/>
       </p:nvGrpSpPr>
-      <p:grpSpPr/>
+      <p:grpSpPr>
+        <a:xfrm>
+          <a:off x="0" y="0"/>
+          <a:ext cx="0" cy="0"/>
+          <a:chOff x="0" y="0"/>
+          <a:chExt cx="0" cy="0"/>
+        </a:xfrm>
+      </p:grpSpPr>
       <p:sp>
         <p:nvSpPr>
           <p:cNvPr id="2" name="Title 1"/>
@@ -3227,7 +3263,7 @@
 </file>
 
 <file path=ppt/slides/slide3.xml><?xml version="1.0" encoding="utf-8"?>
-<p:sld xmlns:a="http://schemas.openxmlformats.org/drawingml/2006/main" xmlns:p="http://schemas.openxmlformats.org/presentationml/2006/main" xmlns:r="http://schemas.openxmlformats.org/officeDocument/2006/relationships">
+<p:sld xmlns:a="http://schemas.openxmlformats.org/drawingml/2006/main" xmlns:r="http://schemas.openxmlformats.org/officeDocument/2006/relationships" xmlns:p="http://schemas.openxmlformats.org/presentationml/2006/main">
   <p:cSld>
     <p:spTree>
       <p:nvGrpSpPr>
@@ -3235,7 +3271,14 @@
         <p:cNvGrpSpPr/>
         <p:nvPr/>
       </p:nvGrpSpPr>
-      <p:grpSpPr/>
+      <p:grpSpPr>
+        <a:xfrm>
+          <a:off x="0" y="0"/>
+          <a:ext cx="0" cy="0"/>
+          <a:chOff x="0" y="0"/>
+          <a:chExt cx="0" cy="0"/>
+        </a:xfrm>
+      </p:grpSpPr>
       <p:sp>
         <p:nvSpPr>
           <p:cNvPr id="2" name="Title 1"/>
@@ -3272,29 +3315,66 @@
           <a:bodyPr/>
           <a:lstStyle/>
           <a:p>
-            <a:r>
-              <a:t>1. Analyze Data: Free early alternative to Copilot</a:t>
-            </a:r>
-          </a:p>
-          <a:p>
-            <a:r>
-              <a:t>2. Natural Language Queries</a:t>
-            </a:r>
-          </a:p>
-          <a:p>
-            <a:r>
-              <a:t>3. Power Query for clean, structured data</a:t>
-            </a:r>
-          </a:p>
-          <a:p>
-            <a:r>
-              <a:t>4. Copilot on penguins.xlsx: formatting, calculated columns, charts, PivotTables</a:t>
-            </a:r>
-          </a:p>
-          <a:p>
-            <a:r>
-              <a:t>5. Advanced Analysis</a:t>
-            </a:r>
+            <a:pPr marL="514350" indent="-514350">
+              <a:buFont typeface="+mj-lt"/>
+              <a:buAutoNum type="arabicPeriod"/>
+            </a:pPr>
+            <a:r>
+              <a:rPr dirty="0"/>
+              <a:t>Analyze Data: Free early alternative to Copilot</a:t>
+            </a:r>
+          </a:p>
+          <a:p>
+            <a:pPr marL="514350" indent="-514350">
+              <a:buFont typeface="+mj-lt"/>
+              <a:buAutoNum type="arabicPeriod"/>
+            </a:pPr>
+            <a:r>
+              <a:rPr dirty="0"/>
+              <a:t>Power Query for clean, structured data</a:t>
+            </a:r>
+          </a:p>
+          <a:p>
+            <a:pPr marL="514350" indent="-514350">
+              <a:buFont typeface="+mj-lt"/>
+              <a:buAutoNum type="arabicPeriod"/>
+            </a:pPr>
+            <a:r>
+              <a:rPr dirty="0"/>
+              <a:t>Copilot on </a:t>
+            </a:r>
+            <a:r>
+              <a:rPr lang="en-US" dirty="0"/>
+              <a:t>penguins data</a:t>
+            </a:r>
+            <a:r>
+              <a:rPr dirty="0"/>
+              <a:t>: formatting, calculated columns, charts, PivotTables</a:t>
+            </a:r>
+            <a:r>
+              <a:rPr lang="en-US" dirty="0"/>
+              <a:t> 🐧</a:t>
+            </a:r>
+            <a:endParaRPr dirty="0"/>
+          </a:p>
+          <a:p>
+            <a:pPr marL="514350" indent="-514350">
+              <a:buFont typeface="+mj-lt"/>
+              <a:buAutoNum type="arabicPeriod"/>
+            </a:pPr>
+            <a:r>
+              <a:rPr lang="en-US" dirty="0"/>
+              <a:t>(time permitting) </a:t>
+            </a:r>
+            <a:r>
+              <a:rPr dirty="0"/>
+              <a:t>Advanced Analysis</a:t>
+            </a:r>
+            <a:r>
+              <a:rPr lang="en-US" dirty="0"/>
+              <a:t> with Python 🐍</a:t>
+            </a:r>
+            <a:endParaRPr dirty="0"/>
           </a:p>
         </p:txBody>
       </p:sp>
@@ -3307,7 +3387,7 @@
 </file>
 
 <file path=ppt/slides/slide4.xml><?xml version="1.0" encoding="utf-8"?>
-<p:sld xmlns:a="http://schemas.openxmlformats.org/drawingml/2006/main" xmlns:p="http://schemas.openxmlformats.org/presentationml/2006/main" xmlns:r="http://schemas.openxmlformats.org/officeDocument/2006/relationships">
+<p:sld xmlns:a="http://schemas.openxmlformats.org/drawingml/2006/main" xmlns:r="http://schemas.openxmlformats.org/officeDocument/2006/relationships" xmlns:p="http://schemas.openxmlformats.org/presentationml/2006/main">
   <p:cSld>
     <p:spTree>
       <p:nvGrpSpPr>
@@ -3315,7 +3395,14 @@
         <p:cNvGrpSpPr/>
         <p:nvPr/>
       </p:nvGrpSpPr>
-      <p:grpSpPr/>
+      <p:grpSpPr>
+        <a:xfrm>
+          <a:off x="0" y="0"/>
+          <a:ext cx="0" cy="0"/>
+          <a:chOff x="0" y="0"/>
+          <a:chExt cx="0" cy="0"/>
+        </a:xfrm>
+      </p:grpSpPr>
       <p:sp>
         <p:nvSpPr>
           <p:cNvPr id="2" name="Title 1"/>
@@ -3353,23 +3440,32 @@
           <a:lstStyle/>
           <a:p>
             <a:r>
+              <a:rPr dirty="0"/>
               <a:t>Workbook: wholesale-customers.xlsx</a:t>
             </a:r>
           </a:p>
           <a:p>
             <a:r>
+              <a:rPr dirty="0"/>
               <a:t>Explore Analyze Data for quick insights</a:t>
             </a:r>
           </a:p>
           <a:p>
             <a:r>
-              <a:t>Try natural language queries</a:t>
-            </a:r>
-          </a:p>
-          <a:p>
-            <a:r>
-              <a:t>See how results compare with Copilot</a:t>
-            </a:r>
+              <a:rPr dirty="0"/>
+              <a:t>Try natural language quer</a:t>
+            </a:r>
+            <a:r>
+              <a:rPr lang="en-US" dirty="0"/>
+              <a:t>ying</a:t>
+            </a:r>
+          </a:p>
+          <a:p>
+            <a:r>
+              <a:rPr lang="en-US" dirty="0"/>
+              <a:t>How can we get better results with cleaner data? </a:t>
+            </a:r>
+            <a:endParaRPr dirty="0"/>
           </a:p>
         </p:txBody>
       </p:sp>
@@ -3382,7 +3478,7 @@
 </file>
 
 <file path=ppt/slides/slide5.xml><?xml version="1.0" encoding="utf-8"?>
-<p:sld xmlns:a="http://schemas.openxmlformats.org/drawingml/2006/main" xmlns:p="http://schemas.openxmlformats.org/presentationml/2006/main" xmlns:r="http://schemas.openxmlformats.org/officeDocument/2006/relationships">
+<p:sld xmlns:a="http://schemas.openxmlformats.org/drawingml/2006/main" xmlns:r="http://schemas.openxmlformats.org/officeDocument/2006/relationships" xmlns:p="http://schemas.openxmlformats.org/presentationml/2006/main">
   <p:cSld>
     <p:spTree>
       <p:nvGrpSpPr>
@@ -3390,7 +3486,14 @@
         <p:cNvGrpSpPr/>
         <p:nvPr/>
       </p:nvGrpSpPr>
-      <p:grpSpPr/>
+      <p:grpSpPr>
+        <a:xfrm>
+          <a:off x="0" y="0"/>
+          <a:ext cx="0" cy="0"/>
+          <a:chOff x="0" y="0"/>
+          <a:chExt cx="0" cy="0"/>
+        </a:xfrm>
+      </p:grpSpPr>
       <p:sp>
         <p:nvSpPr>
           <p:cNvPr id="2" name="Title 1"/>
@@ -3452,7 +3555,7 @@
 </file>
 
 <file path=ppt/slides/slide6.xml><?xml version="1.0" encoding="utf-8"?>
-<p:sld xmlns:a="http://schemas.openxmlformats.org/drawingml/2006/main" xmlns:p="http://schemas.openxmlformats.org/presentationml/2006/main" xmlns:r="http://schemas.openxmlformats.org/officeDocument/2006/relationships">
+<p:sld xmlns:a="http://schemas.openxmlformats.org/drawingml/2006/main" xmlns:r="http://schemas.openxmlformats.org/officeDocument/2006/relationships" xmlns:p="http://schemas.openxmlformats.org/presentationml/2006/main">
   <p:cSld>
     <p:spTree>
       <p:nvGrpSpPr>
@@ -3460,7 +3563,14 @@
         <p:cNvGrpSpPr/>
         <p:nvPr/>
       </p:nvGrpSpPr>
-      <p:grpSpPr/>
+      <p:grpSpPr>
+        <a:xfrm>
+          <a:off x="0" y="0"/>
+          <a:ext cx="0" cy="0"/>
+          <a:chOff x="0" y="0"/>
+          <a:chExt cx="0" cy="0"/>
+        </a:xfrm>
+      </p:grpSpPr>
       <p:sp>
         <p:nvSpPr>
           <p:cNvPr id="2" name="Title 1"/>
@@ -3477,7 +3587,16 @@
           <a:lstStyle/>
           <a:p>
             <a:r>
-              <a:t>Moving to Penguins.xlsx</a:t>
+              <a:rPr dirty="0"/>
+              <a:t>Moving to </a:t>
+            </a:r>
+            <a:r>
+              <a:rPr lang="en-US" dirty="0"/>
+              <a:t>p</a:t>
+            </a:r>
+            <a:r>
+              <a:rPr dirty="0"/>
+              <a:t>enguins.xlsx</a:t>
             </a:r>
           </a:p>
         </p:txBody>
@@ -3498,31 +3617,42 @@
           <a:lstStyle/>
           <a:p>
             <a:r>
+              <a:rPr dirty="0"/>
               <a:t>Getting data Copilot-friendly</a:t>
             </a:r>
           </a:p>
           <a:p>
             <a:r>
-              <a:t>Formatting as tables</a:t>
-            </a:r>
-          </a:p>
-          <a:p>
-            <a:r>
+              <a:rPr dirty="0"/>
+              <a:t>Formatting </a:t>
+            </a:r>
+            <a:r>
+              <a:rPr lang="en-US" dirty="0"/>
+              <a:t>data as a Table</a:t>
+            </a:r>
+            <a:endParaRPr dirty="0"/>
+          </a:p>
+          <a:p>
+            <a:r>
+              <a:rPr dirty="0"/>
               <a:t>Creating calculated columns</a:t>
             </a:r>
           </a:p>
           <a:p>
             <a:r>
+              <a:rPr dirty="0"/>
               <a:t>Building summary charts</a:t>
             </a:r>
           </a:p>
           <a:p>
             <a:r>
+              <a:rPr dirty="0"/>
               <a:t>Using PivotTables</a:t>
             </a:r>
           </a:p>
           <a:p>
             <a:r>
+              <a:rPr dirty="0"/>
               <a:t>Exploring advanced analysis with Python in Excel</a:t>
             </a:r>
           </a:p>
@@ -3537,7 +3667,7 @@
 </file>
 
 <file path=ppt/slides/slide7.xml><?xml version="1.0" encoding="utf-8"?>
-<p:sld xmlns:a="http://schemas.openxmlformats.org/drawingml/2006/main" xmlns:p="http://schemas.openxmlformats.org/presentationml/2006/main" xmlns:r="http://schemas.openxmlformats.org/officeDocument/2006/relationships">
+<p:sld xmlns:a="http://schemas.openxmlformats.org/drawingml/2006/main" xmlns:r="http://schemas.openxmlformats.org/officeDocument/2006/relationships" xmlns:p="http://schemas.openxmlformats.org/presentationml/2006/main">
   <p:cSld>
     <p:spTree>
       <p:nvGrpSpPr>
@@ -3545,7 +3675,14 @@
         <p:cNvGrpSpPr/>
         <p:nvPr/>
       </p:nvGrpSpPr>
-      <p:grpSpPr/>
+      <p:grpSpPr>
+        <a:xfrm>
+          <a:off x="0" y="0"/>
+          <a:ext cx="0" cy="0"/>
+          <a:chOff x="0" y="0"/>
+          <a:chExt cx="0" cy="0"/>
+        </a:xfrm>
+      </p:grpSpPr>
       <p:sp>
         <p:nvSpPr>
           <p:cNvPr id="2" name="Title 1"/>
@@ -3583,18 +3720,34 @@
           <a:lstStyle/>
           <a:p>
             <a:r>
+              <a:rPr dirty="0"/>
               <a:t>Use tables for clean, structured data</a:t>
             </a:r>
           </a:p>
           <a:p>
             <a:r>
+              <a:rPr dirty="0"/>
               <a:t>Use good names and refer to them early and often</a:t>
             </a:r>
           </a:p>
           <a:p>
             <a:r>
-              <a:t>Don’t be afraid of Python code – it’s a big part of Excel’s future</a:t>
-            </a:r>
+              <a:rPr dirty="0"/>
+              <a:t>Don’t be afraid of Python code </a:t>
+            </a:r>
+            <a:r>
+              <a:rPr lang="en-US" dirty="0"/>
+              <a:t>…</a:t>
+            </a:r>
+            <a:r>
+              <a:rPr dirty="0"/>
+              <a:t> it’s a big part of Excel’s future</a:t>
+            </a:r>
+            <a:r>
+              <a:rPr lang="en-US" dirty="0"/>
+              <a:t>!</a:t>
+            </a:r>
+            <a:endParaRPr dirty="0"/>
           </a:p>
         </p:txBody>
       </p:sp>
@@ -3607,7 +3760,7 @@
 </file>
 
 <file path=ppt/slides/slide8.xml><?xml version="1.0" encoding="utf-8"?>
-<p:sld xmlns:a="http://schemas.openxmlformats.org/drawingml/2006/main" xmlns:p="http://schemas.openxmlformats.org/presentationml/2006/main" xmlns:r="http://schemas.openxmlformats.org/officeDocument/2006/relationships">
+<p:sld xmlns:a="http://schemas.openxmlformats.org/drawingml/2006/main" xmlns:r="http://schemas.openxmlformats.org/officeDocument/2006/relationships" xmlns:p="http://schemas.openxmlformats.org/presentationml/2006/main">
   <p:cSld>
     <p:spTree>
       <p:nvGrpSpPr>
@@ -3615,7 +3768,14 @@
         <p:cNvGrpSpPr/>
         <p:nvPr/>
       </p:nvGrpSpPr>
-      <p:grpSpPr/>
+      <p:grpSpPr>
+        <a:xfrm>
+          <a:off x="0" y="0"/>
+          <a:ext cx="0" cy="0"/>
+          <a:chOff x="0" y="0"/>
+          <a:chExt cx="0" cy="0"/>
+        </a:xfrm>
+      </p:grpSpPr>
       <p:sp>
         <p:nvSpPr>
           <p:cNvPr id="2" name="Title 1"/>
@@ -3649,37 +3809,95 @@
         </p:nvSpPr>
         <p:spPr/>
         <p:txBody>
-          <a:bodyPr/>
-          <a:lstStyle/>
-          <a:p>
-            <a:r>
+          <a:bodyPr>
+            <a:normAutofit fontScale="92500" lnSpcReduction="10000"/>
+          </a:bodyPr>
+          <a:lstStyle/>
+          <a:p>
+            <a:r>
+              <a:rPr dirty="0"/>
               <a:t>Any questions?</a:t>
             </a:r>
           </a:p>
           <a:p>
             <a:r>
-              <a:t>Resources: https://github.com/stringfestdata/ai-week-intro-copilot-excel/archive/refs/heads/main.zip</a:t>
-            </a:r>
-          </a:p>
-          <a:p>
-            <a:r>
-              <a:t>Follow me: stringfestanalytics.com</a:t>
-            </a:r>
-          </a:p>
-          <a:p>
-            <a:r>
-              <a:t>Connect: linkedin.com/in/gjmount</a:t>
-            </a:r>
-          </a:p>
-          <a:p>
-            <a:r>
+              <a:rPr dirty="0"/>
+              <a:t>Resources: </a:t>
+            </a:r>
+            <a:r>
+              <a:rPr dirty="0">
+                <a:hlinkClick r:id="rId2"/>
+              </a:rPr>
+              <a:t>https://github.com/stringfestdata/ai-week-intro-copilot-excel/archive/refs/heads/main.zip</a:t>
+            </a:r>
+            <a:r>
+              <a:rPr lang="en-US" dirty="0"/>
+              <a:t> </a:t>
+            </a:r>
+            <a:endParaRPr dirty="0"/>
+          </a:p>
+          <a:p>
+            <a:r>
+              <a:rPr dirty="0"/>
+              <a:t>Follow me: </a:t>
+            </a:r>
+            <a:r>
+              <a:rPr dirty="0">
+                <a:hlinkClick r:id="rId3" action="ppaction://hlinkfile"/>
+              </a:rPr>
+              <a:t>stringfestanalytics.com</a:t>
+            </a:r>
+            <a:r>
+              <a:rPr lang="en-US" dirty="0">
+                <a:hlinkClick r:id="rId3" action="ppaction://hlinkfile"/>
+              </a:rPr>
+              <a:t>  </a:t>
+            </a:r>
+            <a:endParaRPr dirty="0"/>
+          </a:p>
+          <a:p>
+            <a:r>
+              <a:rPr dirty="0"/>
+              <a:t>Connect: </a:t>
+            </a:r>
+            <a:r>
+              <a:rPr dirty="0">
+                <a:hlinkClick r:id="rId4" action="ppaction://hlinkfile"/>
+              </a:rPr>
+              <a:t>linkedin.com/in/</a:t>
+            </a:r>
+            <a:r>
+              <a:rPr dirty="0" err="1">
+                <a:hlinkClick r:id="rId4" action="ppaction://hlinkfile"/>
+              </a:rPr>
+              <a:t>gjmount</a:t>
+            </a:r>
+            <a:r>
+              <a:rPr lang="en-US" dirty="0">
+                <a:hlinkClick r:id="rId4" action="ppaction://hlinkfile"/>
+              </a:rPr>
+              <a:t>  </a:t>
+            </a:r>
+            <a:endParaRPr dirty="0"/>
+          </a:p>
+          <a:p>
+            <a:r>
+              <a:rPr dirty="0"/>
               <a:t>Free until end of year: Copilot in Excel Course:</a:t>
             </a:r>
           </a:p>
           <a:p>
             <a:r>
+              <a:rPr dirty="0">
+                <a:hlinkClick r:id="rId5"/>
+              </a:rPr>
               <a:t>https://www.linkedin.com/learning/excel-with-copilot-ai-driven-data-analysis</a:t>
             </a:r>
+            <a:r>
+              <a:rPr lang="en-US" dirty="0"/>
+              <a:t> </a:t>
+            </a:r>
+            <a:endParaRPr dirty="0"/>
           </a:p>
         </p:txBody>
       </p:sp>
@@ -3692,7 +3910,7 @@
 </file>
 
 <file path=ppt/slides/slide9.xml><?xml version="1.0" encoding="utf-8"?>
-<p:sld xmlns:a="http://schemas.openxmlformats.org/drawingml/2006/main" xmlns:p="http://schemas.openxmlformats.org/presentationml/2006/main" xmlns:r="http://schemas.openxmlformats.org/officeDocument/2006/relationships">
+<p:sld xmlns:a="http://schemas.openxmlformats.org/drawingml/2006/main" xmlns:r="http://schemas.openxmlformats.org/officeDocument/2006/relationships" xmlns:p="http://schemas.openxmlformats.org/presentationml/2006/main">
   <p:cSld>
     <p:spTree>
       <p:nvGrpSpPr>
@@ -3700,7 +3918,14 @@
         <p:cNvGrpSpPr/>
         <p:nvPr/>
       </p:nvGrpSpPr>
-      <p:grpSpPr/>
+      <p:grpSpPr>
+        <a:xfrm>
+          <a:off x="0" y="0"/>
+          <a:ext cx="0" cy="0"/>
+          <a:chOff x="0" y="0"/>
+          <a:chExt cx="0" cy="0"/>
+        </a:xfrm>
+      </p:grpSpPr>
       <p:sp>
         <p:nvSpPr>
           <p:cNvPr id="2" name="Title 1"/>
@@ -3738,7 +3963,23 @@
           <a:lstStyle/>
           <a:p>
             <a:r>
-              <a:t>George Mount – Stringfest Analytics</a:t>
+              <a:rPr dirty="0"/>
+              <a:t>George Mount</a:t>
+            </a:r>
+            <a:endParaRPr lang="en-US" dirty="0"/>
+          </a:p>
+          <a:p>
+            <a:r>
+              <a:rPr lang="en-US" dirty="0"/>
+              <a:t>Founder, </a:t>
+            </a:r>
+            <a:r>
+              <a:rPr dirty="0" err="1"/>
+              <a:t>Stringfest</a:t>
+            </a:r>
+            <a:r>
+              <a:rPr dirty="0"/>
+              <a:t> Analytics</a:t>
             </a:r>
           </a:p>
         </p:txBody>
